--- a/PR2024-25_VMESNA_3.pptx
+++ b/PR2024-25_VMESNA_3.pptx
@@ -5268,101 +5268,6 @@
       </p:pic>
       <p:sp>
         <p:nvSpPr>
-          <p:cNvPr id="5" name="Označba mesta datuma 4">
-            <a:extLst>
-              <a:ext uri="{FF2B5EF4-FFF2-40B4-BE49-F238E27FC236}">
-                <a16:creationId xmlns:a16="http://schemas.microsoft.com/office/drawing/2014/main" id="{222209B7-01AB-53E8-9242-80D565E2B498}"/>
-              </a:ext>
-            </a:extLst>
-          </p:cNvPr>
-          <p:cNvSpPr>
-            <a:spLocks noGrp="1"/>
-          </p:cNvSpPr>
-          <p:nvPr>
-            <p:ph type="dt" sz="half" idx="10"/>
-          </p:nvPr>
-        </p:nvSpPr>
-        <p:spPr>
-          <a:xfrm>
-            <a:off x="628650" y="4767262"/>
-            <a:ext cx="2057400" cy="273844"/>
-          </a:xfrm>
-        </p:spPr>
-        <p:txBody>
-          <a:bodyPr vert="horz" lIns="91440" tIns="45720" rIns="91440" bIns="45720" rtlCol="0" anchor="ctr">
-            <a:normAutofit/>
-          </a:bodyPr>
-          <a:lstStyle/>
-          <a:p>
-            <a:pPr defTabSz="914400">
-              <a:lnSpc>
-                <a:spcPct val="90000"/>
-              </a:lnSpc>
-              <a:spcAft>
-                <a:spcPts val="600"/>
-              </a:spcAft>
-            </a:pPr>
-            <a:r>
-              <a:rPr lang="en-US" sz="1200"/>
-              <a:t>6. 4. 2020</a:t>
-            </a:r>
-          </a:p>
-        </p:txBody>
-      </p:sp>
-      <p:sp>
-        <p:nvSpPr>
-          <p:cNvPr id="6" name="Označba mesta noge 5">
-            <a:extLst>
-              <a:ext uri="{FF2B5EF4-FFF2-40B4-BE49-F238E27FC236}">
-                <a16:creationId xmlns:a16="http://schemas.microsoft.com/office/drawing/2014/main" id="{A3DA9CF5-67D7-E203-74BB-58322D48552C}"/>
-              </a:ext>
-            </a:extLst>
-          </p:cNvPr>
-          <p:cNvSpPr>
-            <a:spLocks noGrp="1"/>
-          </p:cNvSpPr>
-          <p:nvPr>
-            <p:ph type="ftr" sz="quarter" idx="11"/>
-          </p:nvPr>
-        </p:nvSpPr>
-        <p:spPr>
-          <a:xfrm>
-            <a:off x="3028950" y="4767262"/>
-            <a:ext cx="3086100" cy="273844"/>
-          </a:xfrm>
-        </p:spPr>
-        <p:txBody>
-          <a:bodyPr vert="horz" lIns="91440" tIns="45720" rIns="91440" bIns="45720" rtlCol="0" anchor="ctr">
-            <a:normAutofit/>
-          </a:bodyPr>
-          <a:lstStyle/>
-          <a:p>
-            <a:pPr defTabSz="914400">
-              <a:lnSpc>
-                <a:spcPct val="90000"/>
-              </a:lnSpc>
-              <a:spcAft>
-                <a:spcPts val="600"/>
-              </a:spcAft>
-            </a:pPr>
-            <a:r>
-              <a:rPr lang="en-US" sz="1200" kern="1200">
-                <a:solidFill>
-                  <a:schemeClr val="tx1">
-                    <a:tint val="75000"/>
-                  </a:schemeClr>
-                </a:solidFill>
-                <a:latin typeface="+mn-lt"/>
-                <a:ea typeface="+mn-ea"/>
-                <a:cs typeface="+mn-cs"/>
-              </a:rPr>
-              <a:t>PR19-20, Vmesna predstavitev</a:t>
-            </a:r>
-          </a:p>
-        </p:txBody>
-      </p:sp>
-      <p:sp>
-        <p:nvSpPr>
           <p:cNvPr id="7" name="Označba mesta številke diapozitiva 6">
             <a:extLst>
               <a:ext uri="{FF2B5EF4-FFF2-40B4-BE49-F238E27FC236}">
@@ -5410,6 +5315,279 @@
               <a:t>3</a:t>
             </a:fld>
             <a:endParaRPr lang="en-US" sz="1200"/>
+          </a:p>
+        </p:txBody>
+      </p:sp>
+      <p:sp>
+        <p:nvSpPr>
+          <p:cNvPr id="11" name="Date Placeholder 11">
+            <a:extLst>
+              <a:ext uri="{FF2B5EF4-FFF2-40B4-BE49-F238E27FC236}">
+                <a16:creationId xmlns:a16="http://schemas.microsoft.com/office/drawing/2014/main" id="{482387C3-9A8A-9A47-8F63-FDB8F168E7F2}"/>
+              </a:ext>
+            </a:extLst>
+          </p:cNvPr>
+          <p:cNvSpPr>
+            <a:spLocks noGrp="1"/>
+          </p:cNvSpPr>
+          <p:nvPr/>
+        </p:nvSpPr>
+        <p:spPr>
+          <a:xfrm>
+            <a:off x="315369" y="4713434"/>
+            <a:ext cx="3754164" cy="273844"/>
+          </a:xfrm>
+          <a:prstGeom prst="rect">
+            <a:avLst/>
+          </a:prstGeom>
+        </p:spPr>
+        <p:txBody>
+          <a:bodyPr vert="horz" lIns="91440" tIns="45720" rIns="91440" bIns="45720" rtlCol="0" anchor="ctr"/>
+          <a:lstStyle>
+            <a:defPPr>
+              <a:defRPr lang="en-US"/>
+            </a:defPPr>
+            <a:lvl1pPr marL="0" algn="l" defTabSz="457200" rtl="0" eaLnBrk="1" latinLnBrk="0" hangingPunct="1">
+              <a:defRPr sz="900" kern="1200">
+                <a:solidFill>
+                  <a:schemeClr val="tx1">
+                    <a:tint val="75000"/>
+                  </a:schemeClr>
+                </a:solidFill>
+                <a:latin typeface="+mn-lt"/>
+                <a:ea typeface="+mn-ea"/>
+                <a:cs typeface="+mn-cs"/>
+              </a:defRPr>
+            </a:lvl1pPr>
+            <a:lvl2pPr marL="457200" algn="l" defTabSz="457200" rtl="0" eaLnBrk="1" latinLnBrk="0" hangingPunct="1">
+              <a:defRPr sz="1800" kern="1200">
+                <a:solidFill>
+                  <a:schemeClr val="tx1"/>
+                </a:solidFill>
+                <a:latin typeface="+mn-lt"/>
+                <a:ea typeface="+mn-ea"/>
+                <a:cs typeface="+mn-cs"/>
+              </a:defRPr>
+            </a:lvl2pPr>
+            <a:lvl3pPr marL="914400" algn="l" defTabSz="457200" rtl="0" eaLnBrk="1" latinLnBrk="0" hangingPunct="1">
+              <a:defRPr sz="1800" kern="1200">
+                <a:solidFill>
+                  <a:schemeClr val="tx1"/>
+                </a:solidFill>
+                <a:latin typeface="+mn-lt"/>
+                <a:ea typeface="+mn-ea"/>
+                <a:cs typeface="+mn-cs"/>
+              </a:defRPr>
+            </a:lvl3pPr>
+            <a:lvl4pPr marL="1371600" algn="l" defTabSz="457200" rtl="0" eaLnBrk="1" latinLnBrk="0" hangingPunct="1">
+              <a:defRPr sz="1800" kern="1200">
+                <a:solidFill>
+                  <a:schemeClr val="tx1"/>
+                </a:solidFill>
+                <a:latin typeface="+mn-lt"/>
+                <a:ea typeface="+mn-ea"/>
+                <a:cs typeface="+mn-cs"/>
+              </a:defRPr>
+            </a:lvl4pPr>
+            <a:lvl5pPr marL="1828800" algn="l" defTabSz="457200" rtl="0" eaLnBrk="1" latinLnBrk="0" hangingPunct="1">
+              <a:defRPr sz="1800" kern="1200">
+                <a:solidFill>
+                  <a:schemeClr val="tx1"/>
+                </a:solidFill>
+                <a:latin typeface="+mn-lt"/>
+                <a:ea typeface="+mn-ea"/>
+                <a:cs typeface="+mn-cs"/>
+              </a:defRPr>
+            </a:lvl5pPr>
+            <a:lvl6pPr marL="2286000" algn="l" defTabSz="457200" rtl="0" eaLnBrk="1" latinLnBrk="0" hangingPunct="1">
+              <a:defRPr sz="1800" kern="1200">
+                <a:solidFill>
+                  <a:schemeClr val="tx1"/>
+                </a:solidFill>
+                <a:latin typeface="+mn-lt"/>
+                <a:ea typeface="+mn-ea"/>
+                <a:cs typeface="+mn-cs"/>
+              </a:defRPr>
+            </a:lvl6pPr>
+            <a:lvl7pPr marL="2743200" algn="l" defTabSz="457200" rtl="0" eaLnBrk="1" latinLnBrk="0" hangingPunct="1">
+              <a:defRPr sz="1800" kern="1200">
+                <a:solidFill>
+                  <a:schemeClr val="tx1"/>
+                </a:solidFill>
+                <a:latin typeface="+mn-lt"/>
+                <a:ea typeface="+mn-ea"/>
+                <a:cs typeface="+mn-cs"/>
+              </a:defRPr>
+            </a:lvl7pPr>
+            <a:lvl8pPr marL="3200400" algn="l" defTabSz="457200" rtl="0" eaLnBrk="1" latinLnBrk="0" hangingPunct="1">
+              <a:defRPr sz="1800" kern="1200">
+                <a:solidFill>
+                  <a:schemeClr val="tx1"/>
+                </a:solidFill>
+                <a:latin typeface="+mn-lt"/>
+                <a:ea typeface="+mn-ea"/>
+                <a:cs typeface="+mn-cs"/>
+              </a:defRPr>
+            </a:lvl8pPr>
+            <a:lvl9pPr marL="3657600" algn="l" defTabSz="457200" rtl="0" eaLnBrk="1" latinLnBrk="0" hangingPunct="1">
+              <a:defRPr sz="1800" kern="1200">
+                <a:solidFill>
+                  <a:schemeClr val="tx1"/>
+                </a:solidFill>
+                <a:latin typeface="+mn-lt"/>
+                <a:ea typeface="+mn-ea"/>
+                <a:cs typeface="+mn-cs"/>
+              </a:defRPr>
+            </a:lvl9pPr>
+          </a:lstStyle>
+          <a:p>
+            <a:r>
+              <a:rPr lang="en-US" dirty="0"/>
+              <a:t>17. 4. 2025</a:t>
+            </a:r>
+          </a:p>
+        </p:txBody>
+      </p:sp>
+      <p:sp>
+        <p:nvSpPr>
+          <p:cNvPr id="12" name="Footer Placeholder 12">
+            <a:extLst>
+              <a:ext uri="{FF2B5EF4-FFF2-40B4-BE49-F238E27FC236}">
+                <a16:creationId xmlns:a16="http://schemas.microsoft.com/office/drawing/2014/main" id="{ED533418-37C8-B143-91FA-663B1D494022}"/>
+              </a:ext>
+            </a:extLst>
+          </p:cNvPr>
+          <p:cNvSpPr>
+            <a:spLocks noGrp="1"/>
+          </p:cNvSpPr>
+          <p:nvPr/>
+        </p:nvSpPr>
+        <p:spPr>
+          <a:xfrm>
+            <a:off x="3267462" y="4680097"/>
+            <a:ext cx="3086100" cy="273844"/>
+          </a:xfrm>
+          <a:prstGeom prst="rect">
+            <a:avLst/>
+          </a:prstGeom>
+        </p:spPr>
+        <p:txBody>
+          <a:bodyPr vert="horz" lIns="91440" tIns="45720" rIns="91440" bIns="45720" rtlCol="0" anchor="ctr"/>
+          <a:lstStyle>
+            <a:defPPr>
+              <a:defRPr lang="en-US"/>
+            </a:defPPr>
+            <a:lvl1pPr marL="0" algn="ctr" defTabSz="457200" rtl="0" eaLnBrk="1" latinLnBrk="0" hangingPunct="1">
+              <a:defRPr sz="900" kern="1200">
+                <a:solidFill>
+                  <a:schemeClr val="tx1">
+                    <a:tint val="75000"/>
+                  </a:schemeClr>
+                </a:solidFill>
+                <a:latin typeface="+mn-lt"/>
+                <a:ea typeface="+mn-ea"/>
+                <a:cs typeface="+mn-cs"/>
+              </a:defRPr>
+            </a:lvl1pPr>
+            <a:lvl2pPr marL="457200" algn="l" defTabSz="457200" rtl="0" eaLnBrk="1" latinLnBrk="0" hangingPunct="1">
+              <a:defRPr sz="1800" kern="1200">
+                <a:solidFill>
+                  <a:schemeClr val="tx1"/>
+                </a:solidFill>
+                <a:latin typeface="+mn-lt"/>
+                <a:ea typeface="+mn-ea"/>
+                <a:cs typeface="+mn-cs"/>
+              </a:defRPr>
+            </a:lvl2pPr>
+            <a:lvl3pPr marL="914400" algn="l" defTabSz="457200" rtl="0" eaLnBrk="1" latinLnBrk="0" hangingPunct="1">
+              <a:defRPr sz="1800" kern="1200">
+                <a:solidFill>
+                  <a:schemeClr val="tx1"/>
+                </a:solidFill>
+                <a:latin typeface="+mn-lt"/>
+                <a:ea typeface="+mn-ea"/>
+                <a:cs typeface="+mn-cs"/>
+              </a:defRPr>
+            </a:lvl3pPr>
+            <a:lvl4pPr marL="1371600" algn="l" defTabSz="457200" rtl="0" eaLnBrk="1" latinLnBrk="0" hangingPunct="1">
+              <a:defRPr sz="1800" kern="1200">
+                <a:solidFill>
+                  <a:schemeClr val="tx1"/>
+                </a:solidFill>
+                <a:latin typeface="+mn-lt"/>
+                <a:ea typeface="+mn-ea"/>
+                <a:cs typeface="+mn-cs"/>
+              </a:defRPr>
+            </a:lvl4pPr>
+            <a:lvl5pPr marL="1828800" algn="l" defTabSz="457200" rtl="0" eaLnBrk="1" latinLnBrk="0" hangingPunct="1">
+              <a:defRPr sz="1800" kern="1200">
+                <a:solidFill>
+                  <a:schemeClr val="tx1"/>
+                </a:solidFill>
+                <a:latin typeface="+mn-lt"/>
+                <a:ea typeface="+mn-ea"/>
+                <a:cs typeface="+mn-cs"/>
+              </a:defRPr>
+            </a:lvl5pPr>
+            <a:lvl6pPr marL="2286000" algn="l" defTabSz="457200" rtl="0" eaLnBrk="1" latinLnBrk="0" hangingPunct="1">
+              <a:defRPr sz="1800" kern="1200">
+                <a:solidFill>
+                  <a:schemeClr val="tx1"/>
+                </a:solidFill>
+                <a:latin typeface="+mn-lt"/>
+                <a:ea typeface="+mn-ea"/>
+                <a:cs typeface="+mn-cs"/>
+              </a:defRPr>
+            </a:lvl6pPr>
+            <a:lvl7pPr marL="2743200" algn="l" defTabSz="457200" rtl="0" eaLnBrk="1" latinLnBrk="0" hangingPunct="1">
+              <a:defRPr sz="1800" kern="1200">
+                <a:solidFill>
+                  <a:schemeClr val="tx1"/>
+                </a:solidFill>
+                <a:latin typeface="+mn-lt"/>
+                <a:ea typeface="+mn-ea"/>
+                <a:cs typeface="+mn-cs"/>
+              </a:defRPr>
+            </a:lvl7pPr>
+            <a:lvl8pPr marL="3200400" algn="l" defTabSz="457200" rtl="0" eaLnBrk="1" latinLnBrk="0" hangingPunct="1">
+              <a:defRPr sz="1800" kern="1200">
+                <a:solidFill>
+                  <a:schemeClr val="tx1"/>
+                </a:solidFill>
+                <a:latin typeface="+mn-lt"/>
+                <a:ea typeface="+mn-ea"/>
+                <a:cs typeface="+mn-cs"/>
+              </a:defRPr>
+            </a:lvl8pPr>
+            <a:lvl9pPr marL="3657600" algn="l" defTabSz="457200" rtl="0" eaLnBrk="1" latinLnBrk="0" hangingPunct="1">
+              <a:defRPr sz="1800" kern="1200">
+                <a:solidFill>
+                  <a:schemeClr val="tx1"/>
+                </a:solidFill>
+                <a:latin typeface="+mn-lt"/>
+                <a:ea typeface="+mn-ea"/>
+                <a:cs typeface="+mn-cs"/>
+              </a:defRPr>
+            </a:lvl9pPr>
+          </a:lstStyle>
+          <a:p>
+            <a:r>
+              <a:rPr lang="en-US" dirty="0"/>
+              <a:t>PR24-25, </a:t>
+            </a:r>
+            <a:r>
+              <a:rPr lang="en-US" dirty="0" err="1"/>
+              <a:t>Vmesna</a:t>
+            </a:r>
+            <a:r>
+              <a:rPr lang="en-US" dirty="0"/>
+              <a:t> </a:t>
+            </a:r>
+            <a:r>
+              <a:rPr lang="en-US" dirty="0" err="1"/>
+              <a:t>predstavitev</a:t>
+            </a:r>
+            <a:endParaRPr lang="en-US" dirty="0"/>
           </a:p>
         </p:txBody>
       </p:sp>
@@ -5742,101 +5920,6 @@
       </p:pic>
       <p:sp>
         <p:nvSpPr>
-          <p:cNvPr id="5" name="Označba mesta datuma 4">
-            <a:extLst>
-              <a:ext uri="{FF2B5EF4-FFF2-40B4-BE49-F238E27FC236}">
-                <a16:creationId xmlns:a16="http://schemas.microsoft.com/office/drawing/2014/main" id="{33A368E8-7EF2-08E6-8FC5-29C2D43B6294}"/>
-              </a:ext>
-            </a:extLst>
-          </p:cNvPr>
-          <p:cNvSpPr>
-            <a:spLocks noGrp="1"/>
-          </p:cNvSpPr>
-          <p:nvPr>
-            <p:ph type="dt" sz="half" idx="10"/>
-          </p:nvPr>
-        </p:nvSpPr>
-        <p:spPr>
-          <a:xfrm>
-            <a:off x="628650" y="4767262"/>
-            <a:ext cx="2057400" cy="273844"/>
-          </a:xfrm>
-        </p:spPr>
-        <p:txBody>
-          <a:bodyPr vert="horz" lIns="91440" tIns="45720" rIns="91440" bIns="45720" rtlCol="0" anchor="ctr">
-            <a:normAutofit/>
-          </a:bodyPr>
-          <a:lstStyle/>
-          <a:p>
-            <a:pPr defTabSz="914400">
-              <a:lnSpc>
-                <a:spcPct val="90000"/>
-              </a:lnSpc>
-              <a:spcAft>
-                <a:spcPts val="600"/>
-              </a:spcAft>
-            </a:pPr>
-            <a:r>
-              <a:rPr lang="en-US" sz="1200"/>
-              <a:t>6. 4. 2020</a:t>
-            </a:r>
-          </a:p>
-        </p:txBody>
-      </p:sp>
-      <p:sp>
-        <p:nvSpPr>
-          <p:cNvPr id="6" name="Označba mesta noge 5">
-            <a:extLst>
-              <a:ext uri="{FF2B5EF4-FFF2-40B4-BE49-F238E27FC236}">
-                <a16:creationId xmlns:a16="http://schemas.microsoft.com/office/drawing/2014/main" id="{4289381B-2D7C-ECE3-4593-2C2851E1E78C}"/>
-              </a:ext>
-            </a:extLst>
-          </p:cNvPr>
-          <p:cNvSpPr>
-            <a:spLocks noGrp="1"/>
-          </p:cNvSpPr>
-          <p:nvPr>
-            <p:ph type="ftr" sz="quarter" idx="11"/>
-          </p:nvPr>
-        </p:nvSpPr>
-        <p:spPr>
-          <a:xfrm>
-            <a:off x="3028950" y="4767262"/>
-            <a:ext cx="3086100" cy="273844"/>
-          </a:xfrm>
-        </p:spPr>
-        <p:txBody>
-          <a:bodyPr vert="horz" lIns="91440" tIns="45720" rIns="91440" bIns="45720" rtlCol="0" anchor="ctr">
-            <a:normAutofit/>
-          </a:bodyPr>
-          <a:lstStyle/>
-          <a:p>
-            <a:pPr defTabSz="914400">
-              <a:lnSpc>
-                <a:spcPct val="90000"/>
-              </a:lnSpc>
-              <a:spcAft>
-                <a:spcPts val="600"/>
-              </a:spcAft>
-            </a:pPr>
-            <a:r>
-              <a:rPr lang="en-US" sz="1200" kern="1200">
-                <a:solidFill>
-                  <a:schemeClr val="tx1">
-                    <a:tint val="75000"/>
-                  </a:schemeClr>
-                </a:solidFill>
-                <a:latin typeface="+mn-lt"/>
-                <a:ea typeface="+mn-ea"/>
-                <a:cs typeface="+mn-cs"/>
-              </a:rPr>
-              <a:t>PR19-20, Vmesna predstavitev</a:t>
-            </a:r>
-          </a:p>
-        </p:txBody>
-      </p:sp>
-      <p:sp>
-        <p:nvSpPr>
           <p:cNvPr id="7" name="Označba mesta številke diapozitiva 6">
             <a:extLst>
               <a:ext uri="{FF2B5EF4-FFF2-40B4-BE49-F238E27FC236}">
@@ -5884,6 +5967,279 @@
               <a:t>4</a:t>
             </a:fld>
             <a:endParaRPr lang="en-US" sz="1200"/>
+          </a:p>
+        </p:txBody>
+      </p:sp>
+      <p:sp>
+        <p:nvSpPr>
+          <p:cNvPr id="2" name="Date Placeholder 11">
+            <a:extLst>
+              <a:ext uri="{FF2B5EF4-FFF2-40B4-BE49-F238E27FC236}">
+                <a16:creationId xmlns:a16="http://schemas.microsoft.com/office/drawing/2014/main" id="{482387C3-9A8A-9A47-8F63-FDB8F168E7F2}"/>
+              </a:ext>
+            </a:extLst>
+          </p:cNvPr>
+          <p:cNvSpPr>
+            <a:spLocks noGrp="1"/>
+          </p:cNvSpPr>
+          <p:nvPr/>
+        </p:nvSpPr>
+        <p:spPr>
+          <a:xfrm>
+            <a:off x="241297" y="4797654"/>
+            <a:ext cx="3754164" cy="273844"/>
+          </a:xfrm>
+          <a:prstGeom prst="rect">
+            <a:avLst/>
+          </a:prstGeom>
+        </p:spPr>
+        <p:txBody>
+          <a:bodyPr vert="horz" lIns="91440" tIns="45720" rIns="91440" bIns="45720" rtlCol="0" anchor="ctr"/>
+          <a:lstStyle>
+            <a:defPPr>
+              <a:defRPr lang="en-US"/>
+            </a:defPPr>
+            <a:lvl1pPr marL="0" algn="l" defTabSz="457200" rtl="0" eaLnBrk="1" latinLnBrk="0" hangingPunct="1">
+              <a:defRPr sz="900" kern="1200">
+                <a:solidFill>
+                  <a:schemeClr val="tx1">
+                    <a:tint val="75000"/>
+                  </a:schemeClr>
+                </a:solidFill>
+                <a:latin typeface="+mn-lt"/>
+                <a:ea typeface="+mn-ea"/>
+                <a:cs typeface="+mn-cs"/>
+              </a:defRPr>
+            </a:lvl1pPr>
+            <a:lvl2pPr marL="457200" algn="l" defTabSz="457200" rtl="0" eaLnBrk="1" latinLnBrk="0" hangingPunct="1">
+              <a:defRPr sz="1800" kern="1200">
+                <a:solidFill>
+                  <a:schemeClr val="tx1"/>
+                </a:solidFill>
+                <a:latin typeface="+mn-lt"/>
+                <a:ea typeface="+mn-ea"/>
+                <a:cs typeface="+mn-cs"/>
+              </a:defRPr>
+            </a:lvl2pPr>
+            <a:lvl3pPr marL="914400" algn="l" defTabSz="457200" rtl="0" eaLnBrk="1" latinLnBrk="0" hangingPunct="1">
+              <a:defRPr sz="1800" kern="1200">
+                <a:solidFill>
+                  <a:schemeClr val="tx1"/>
+                </a:solidFill>
+                <a:latin typeface="+mn-lt"/>
+                <a:ea typeface="+mn-ea"/>
+                <a:cs typeface="+mn-cs"/>
+              </a:defRPr>
+            </a:lvl3pPr>
+            <a:lvl4pPr marL="1371600" algn="l" defTabSz="457200" rtl="0" eaLnBrk="1" latinLnBrk="0" hangingPunct="1">
+              <a:defRPr sz="1800" kern="1200">
+                <a:solidFill>
+                  <a:schemeClr val="tx1"/>
+                </a:solidFill>
+                <a:latin typeface="+mn-lt"/>
+                <a:ea typeface="+mn-ea"/>
+                <a:cs typeface="+mn-cs"/>
+              </a:defRPr>
+            </a:lvl4pPr>
+            <a:lvl5pPr marL="1828800" algn="l" defTabSz="457200" rtl="0" eaLnBrk="1" latinLnBrk="0" hangingPunct="1">
+              <a:defRPr sz="1800" kern="1200">
+                <a:solidFill>
+                  <a:schemeClr val="tx1"/>
+                </a:solidFill>
+                <a:latin typeface="+mn-lt"/>
+                <a:ea typeface="+mn-ea"/>
+                <a:cs typeface="+mn-cs"/>
+              </a:defRPr>
+            </a:lvl5pPr>
+            <a:lvl6pPr marL="2286000" algn="l" defTabSz="457200" rtl="0" eaLnBrk="1" latinLnBrk="0" hangingPunct="1">
+              <a:defRPr sz="1800" kern="1200">
+                <a:solidFill>
+                  <a:schemeClr val="tx1"/>
+                </a:solidFill>
+                <a:latin typeface="+mn-lt"/>
+                <a:ea typeface="+mn-ea"/>
+                <a:cs typeface="+mn-cs"/>
+              </a:defRPr>
+            </a:lvl6pPr>
+            <a:lvl7pPr marL="2743200" algn="l" defTabSz="457200" rtl="0" eaLnBrk="1" latinLnBrk="0" hangingPunct="1">
+              <a:defRPr sz="1800" kern="1200">
+                <a:solidFill>
+                  <a:schemeClr val="tx1"/>
+                </a:solidFill>
+                <a:latin typeface="+mn-lt"/>
+                <a:ea typeface="+mn-ea"/>
+                <a:cs typeface="+mn-cs"/>
+              </a:defRPr>
+            </a:lvl7pPr>
+            <a:lvl8pPr marL="3200400" algn="l" defTabSz="457200" rtl="0" eaLnBrk="1" latinLnBrk="0" hangingPunct="1">
+              <a:defRPr sz="1800" kern="1200">
+                <a:solidFill>
+                  <a:schemeClr val="tx1"/>
+                </a:solidFill>
+                <a:latin typeface="+mn-lt"/>
+                <a:ea typeface="+mn-ea"/>
+                <a:cs typeface="+mn-cs"/>
+              </a:defRPr>
+            </a:lvl8pPr>
+            <a:lvl9pPr marL="3657600" algn="l" defTabSz="457200" rtl="0" eaLnBrk="1" latinLnBrk="0" hangingPunct="1">
+              <a:defRPr sz="1800" kern="1200">
+                <a:solidFill>
+                  <a:schemeClr val="tx1"/>
+                </a:solidFill>
+                <a:latin typeface="+mn-lt"/>
+                <a:ea typeface="+mn-ea"/>
+                <a:cs typeface="+mn-cs"/>
+              </a:defRPr>
+            </a:lvl9pPr>
+          </a:lstStyle>
+          <a:p>
+            <a:r>
+              <a:rPr lang="en-US" dirty="0"/>
+              <a:t>17. 4. 2025</a:t>
+            </a:r>
+          </a:p>
+        </p:txBody>
+      </p:sp>
+      <p:sp>
+        <p:nvSpPr>
+          <p:cNvPr id="3" name="Footer Placeholder 12">
+            <a:extLst>
+              <a:ext uri="{FF2B5EF4-FFF2-40B4-BE49-F238E27FC236}">
+                <a16:creationId xmlns:a16="http://schemas.microsoft.com/office/drawing/2014/main" id="{ED533418-37C8-B143-91FA-663B1D494022}"/>
+              </a:ext>
+            </a:extLst>
+          </p:cNvPr>
+          <p:cNvSpPr>
+            <a:spLocks noGrp="1"/>
+          </p:cNvSpPr>
+          <p:nvPr/>
+        </p:nvSpPr>
+        <p:spPr>
+          <a:xfrm>
+            <a:off x="3193390" y="4764317"/>
+            <a:ext cx="3086100" cy="273844"/>
+          </a:xfrm>
+          <a:prstGeom prst="rect">
+            <a:avLst/>
+          </a:prstGeom>
+        </p:spPr>
+        <p:txBody>
+          <a:bodyPr vert="horz" lIns="91440" tIns="45720" rIns="91440" bIns="45720" rtlCol="0" anchor="ctr"/>
+          <a:lstStyle>
+            <a:defPPr>
+              <a:defRPr lang="en-US"/>
+            </a:defPPr>
+            <a:lvl1pPr marL="0" algn="ctr" defTabSz="457200" rtl="0" eaLnBrk="1" latinLnBrk="0" hangingPunct="1">
+              <a:defRPr sz="900" kern="1200">
+                <a:solidFill>
+                  <a:schemeClr val="tx1">
+                    <a:tint val="75000"/>
+                  </a:schemeClr>
+                </a:solidFill>
+                <a:latin typeface="+mn-lt"/>
+                <a:ea typeface="+mn-ea"/>
+                <a:cs typeface="+mn-cs"/>
+              </a:defRPr>
+            </a:lvl1pPr>
+            <a:lvl2pPr marL="457200" algn="l" defTabSz="457200" rtl="0" eaLnBrk="1" latinLnBrk="0" hangingPunct="1">
+              <a:defRPr sz="1800" kern="1200">
+                <a:solidFill>
+                  <a:schemeClr val="tx1"/>
+                </a:solidFill>
+                <a:latin typeface="+mn-lt"/>
+                <a:ea typeface="+mn-ea"/>
+                <a:cs typeface="+mn-cs"/>
+              </a:defRPr>
+            </a:lvl2pPr>
+            <a:lvl3pPr marL="914400" algn="l" defTabSz="457200" rtl="0" eaLnBrk="1" latinLnBrk="0" hangingPunct="1">
+              <a:defRPr sz="1800" kern="1200">
+                <a:solidFill>
+                  <a:schemeClr val="tx1"/>
+                </a:solidFill>
+                <a:latin typeface="+mn-lt"/>
+                <a:ea typeface="+mn-ea"/>
+                <a:cs typeface="+mn-cs"/>
+              </a:defRPr>
+            </a:lvl3pPr>
+            <a:lvl4pPr marL="1371600" algn="l" defTabSz="457200" rtl="0" eaLnBrk="1" latinLnBrk="0" hangingPunct="1">
+              <a:defRPr sz="1800" kern="1200">
+                <a:solidFill>
+                  <a:schemeClr val="tx1"/>
+                </a:solidFill>
+                <a:latin typeface="+mn-lt"/>
+                <a:ea typeface="+mn-ea"/>
+                <a:cs typeface="+mn-cs"/>
+              </a:defRPr>
+            </a:lvl4pPr>
+            <a:lvl5pPr marL="1828800" algn="l" defTabSz="457200" rtl="0" eaLnBrk="1" latinLnBrk="0" hangingPunct="1">
+              <a:defRPr sz="1800" kern="1200">
+                <a:solidFill>
+                  <a:schemeClr val="tx1"/>
+                </a:solidFill>
+                <a:latin typeface="+mn-lt"/>
+                <a:ea typeface="+mn-ea"/>
+                <a:cs typeface="+mn-cs"/>
+              </a:defRPr>
+            </a:lvl5pPr>
+            <a:lvl6pPr marL="2286000" algn="l" defTabSz="457200" rtl="0" eaLnBrk="1" latinLnBrk="0" hangingPunct="1">
+              <a:defRPr sz="1800" kern="1200">
+                <a:solidFill>
+                  <a:schemeClr val="tx1"/>
+                </a:solidFill>
+                <a:latin typeface="+mn-lt"/>
+                <a:ea typeface="+mn-ea"/>
+                <a:cs typeface="+mn-cs"/>
+              </a:defRPr>
+            </a:lvl6pPr>
+            <a:lvl7pPr marL="2743200" algn="l" defTabSz="457200" rtl="0" eaLnBrk="1" latinLnBrk="0" hangingPunct="1">
+              <a:defRPr sz="1800" kern="1200">
+                <a:solidFill>
+                  <a:schemeClr val="tx1"/>
+                </a:solidFill>
+                <a:latin typeface="+mn-lt"/>
+                <a:ea typeface="+mn-ea"/>
+                <a:cs typeface="+mn-cs"/>
+              </a:defRPr>
+            </a:lvl7pPr>
+            <a:lvl8pPr marL="3200400" algn="l" defTabSz="457200" rtl="0" eaLnBrk="1" latinLnBrk="0" hangingPunct="1">
+              <a:defRPr sz="1800" kern="1200">
+                <a:solidFill>
+                  <a:schemeClr val="tx1"/>
+                </a:solidFill>
+                <a:latin typeface="+mn-lt"/>
+                <a:ea typeface="+mn-ea"/>
+                <a:cs typeface="+mn-cs"/>
+              </a:defRPr>
+            </a:lvl8pPr>
+            <a:lvl9pPr marL="3657600" algn="l" defTabSz="457200" rtl="0" eaLnBrk="1" latinLnBrk="0" hangingPunct="1">
+              <a:defRPr sz="1800" kern="1200">
+                <a:solidFill>
+                  <a:schemeClr val="tx1"/>
+                </a:solidFill>
+                <a:latin typeface="+mn-lt"/>
+                <a:ea typeface="+mn-ea"/>
+                <a:cs typeface="+mn-cs"/>
+              </a:defRPr>
+            </a:lvl9pPr>
+          </a:lstStyle>
+          <a:p>
+            <a:r>
+              <a:rPr lang="en-US" dirty="0"/>
+              <a:t>PR24-25, </a:t>
+            </a:r>
+            <a:r>
+              <a:rPr lang="en-US" dirty="0" err="1"/>
+              <a:t>Vmesna</a:t>
+            </a:r>
+            <a:r>
+              <a:rPr lang="en-US" dirty="0"/>
+              <a:t> </a:t>
+            </a:r>
+            <a:r>
+              <a:rPr lang="en-US" dirty="0" err="1"/>
+              <a:t>predstavitev</a:t>
+            </a:r>
+            <a:endParaRPr lang="en-US" dirty="0"/>
           </a:p>
         </p:txBody>
       </p:sp>
@@ -6271,101 +6627,6 @@
       </p:pic>
       <p:sp>
         <p:nvSpPr>
-          <p:cNvPr id="5" name="Označba mesta datuma 4">
-            <a:extLst>
-              <a:ext uri="{FF2B5EF4-FFF2-40B4-BE49-F238E27FC236}">
-                <a16:creationId xmlns:a16="http://schemas.microsoft.com/office/drawing/2014/main" id="{8A772B5A-D97F-532A-C846-D50936A9F957}"/>
-              </a:ext>
-            </a:extLst>
-          </p:cNvPr>
-          <p:cNvSpPr>
-            <a:spLocks noGrp="1"/>
-          </p:cNvSpPr>
-          <p:nvPr>
-            <p:ph type="dt" sz="half" idx="10"/>
-          </p:nvPr>
-        </p:nvSpPr>
-        <p:spPr>
-          <a:xfrm>
-            <a:off x="628650" y="4767262"/>
-            <a:ext cx="2057400" cy="273844"/>
-          </a:xfrm>
-        </p:spPr>
-        <p:txBody>
-          <a:bodyPr vert="horz" lIns="91440" tIns="45720" rIns="91440" bIns="45720" rtlCol="0" anchor="ctr">
-            <a:normAutofit/>
-          </a:bodyPr>
-          <a:lstStyle/>
-          <a:p>
-            <a:pPr defTabSz="914400">
-              <a:lnSpc>
-                <a:spcPct val="90000"/>
-              </a:lnSpc>
-              <a:spcAft>
-                <a:spcPts val="600"/>
-              </a:spcAft>
-            </a:pPr>
-            <a:r>
-              <a:rPr lang="en-US" sz="1200"/>
-              <a:t>6. 4. 2020</a:t>
-            </a:r>
-          </a:p>
-        </p:txBody>
-      </p:sp>
-      <p:sp>
-        <p:nvSpPr>
-          <p:cNvPr id="6" name="Označba mesta noge 5">
-            <a:extLst>
-              <a:ext uri="{FF2B5EF4-FFF2-40B4-BE49-F238E27FC236}">
-                <a16:creationId xmlns:a16="http://schemas.microsoft.com/office/drawing/2014/main" id="{AD4E0330-8D96-227E-6940-266BC2D340BB}"/>
-              </a:ext>
-            </a:extLst>
-          </p:cNvPr>
-          <p:cNvSpPr>
-            <a:spLocks noGrp="1"/>
-          </p:cNvSpPr>
-          <p:nvPr>
-            <p:ph type="ftr" sz="quarter" idx="11"/>
-          </p:nvPr>
-        </p:nvSpPr>
-        <p:spPr>
-          <a:xfrm>
-            <a:off x="3028950" y="4767262"/>
-            <a:ext cx="3086100" cy="273844"/>
-          </a:xfrm>
-        </p:spPr>
-        <p:txBody>
-          <a:bodyPr vert="horz" lIns="91440" tIns="45720" rIns="91440" bIns="45720" rtlCol="0" anchor="ctr">
-            <a:normAutofit/>
-          </a:bodyPr>
-          <a:lstStyle/>
-          <a:p>
-            <a:pPr defTabSz="914400">
-              <a:lnSpc>
-                <a:spcPct val="90000"/>
-              </a:lnSpc>
-              <a:spcAft>
-                <a:spcPts val="600"/>
-              </a:spcAft>
-            </a:pPr>
-            <a:r>
-              <a:rPr lang="en-US" sz="1200" kern="1200">
-                <a:solidFill>
-                  <a:schemeClr val="tx1">
-                    <a:tint val="75000"/>
-                  </a:schemeClr>
-                </a:solidFill>
-                <a:latin typeface="+mn-lt"/>
-                <a:ea typeface="+mn-ea"/>
-                <a:cs typeface="+mn-cs"/>
-              </a:rPr>
-              <a:t>PR19-20, Vmesna predstavitev</a:t>
-            </a:r>
-          </a:p>
-        </p:txBody>
-      </p:sp>
-      <p:sp>
-        <p:nvSpPr>
           <p:cNvPr id="7" name="Označba mesta številke diapozitiva 6">
             <a:extLst>
               <a:ext uri="{FF2B5EF4-FFF2-40B4-BE49-F238E27FC236}">
@@ -6413,6 +6674,279 @@
               <a:t>5</a:t>
             </a:fld>
             <a:endParaRPr lang="en-US" sz="1200"/>
+          </a:p>
+        </p:txBody>
+      </p:sp>
+      <p:sp>
+        <p:nvSpPr>
+          <p:cNvPr id="2" name="Date Placeholder 11">
+            <a:extLst>
+              <a:ext uri="{FF2B5EF4-FFF2-40B4-BE49-F238E27FC236}">
+                <a16:creationId xmlns:a16="http://schemas.microsoft.com/office/drawing/2014/main" id="{482387C3-9A8A-9A47-8F63-FDB8F168E7F2}"/>
+              </a:ext>
+            </a:extLst>
+          </p:cNvPr>
+          <p:cNvSpPr>
+            <a:spLocks noGrp="1"/>
+          </p:cNvSpPr>
+          <p:nvPr/>
+        </p:nvSpPr>
+        <p:spPr>
+          <a:xfrm>
+            <a:off x="198491" y="4707699"/>
+            <a:ext cx="3754164" cy="273844"/>
+          </a:xfrm>
+          <a:prstGeom prst="rect">
+            <a:avLst/>
+          </a:prstGeom>
+        </p:spPr>
+        <p:txBody>
+          <a:bodyPr vert="horz" lIns="91440" tIns="45720" rIns="91440" bIns="45720" rtlCol="0" anchor="ctr"/>
+          <a:lstStyle>
+            <a:defPPr>
+              <a:defRPr lang="en-US"/>
+            </a:defPPr>
+            <a:lvl1pPr marL="0" algn="l" defTabSz="457200" rtl="0" eaLnBrk="1" latinLnBrk="0" hangingPunct="1">
+              <a:defRPr sz="900" kern="1200">
+                <a:solidFill>
+                  <a:schemeClr val="tx1">
+                    <a:tint val="75000"/>
+                  </a:schemeClr>
+                </a:solidFill>
+                <a:latin typeface="+mn-lt"/>
+                <a:ea typeface="+mn-ea"/>
+                <a:cs typeface="+mn-cs"/>
+              </a:defRPr>
+            </a:lvl1pPr>
+            <a:lvl2pPr marL="457200" algn="l" defTabSz="457200" rtl="0" eaLnBrk="1" latinLnBrk="0" hangingPunct="1">
+              <a:defRPr sz="1800" kern="1200">
+                <a:solidFill>
+                  <a:schemeClr val="tx1"/>
+                </a:solidFill>
+                <a:latin typeface="+mn-lt"/>
+                <a:ea typeface="+mn-ea"/>
+                <a:cs typeface="+mn-cs"/>
+              </a:defRPr>
+            </a:lvl2pPr>
+            <a:lvl3pPr marL="914400" algn="l" defTabSz="457200" rtl="0" eaLnBrk="1" latinLnBrk="0" hangingPunct="1">
+              <a:defRPr sz="1800" kern="1200">
+                <a:solidFill>
+                  <a:schemeClr val="tx1"/>
+                </a:solidFill>
+                <a:latin typeface="+mn-lt"/>
+                <a:ea typeface="+mn-ea"/>
+                <a:cs typeface="+mn-cs"/>
+              </a:defRPr>
+            </a:lvl3pPr>
+            <a:lvl4pPr marL="1371600" algn="l" defTabSz="457200" rtl="0" eaLnBrk="1" latinLnBrk="0" hangingPunct="1">
+              <a:defRPr sz="1800" kern="1200">
+                <a:solidFill>
+                  <a:schemeClr val="tx1"/>
+                </a:solidFill>
+                <a:latin typeface="+mn-lt"/>
+                <a:ea typeface="+mn-ea"/>
+                <a:cs typeface="+mn-cs"/>
+              </a:defRPr>
+            </a:lvl4pPr>
+            <a:lvl5pPr marL="1828800" algn="l" defTabSz="457200" rtl="0" eaLnBrk="1" latinLnBrk="0" hangingPunct="1">
+              <a:defRPr sz="1800" kern="1200">
+                <a:solidFill>
+                  <a:schemeClr val="tx1"/>
+                </a:solidFill>
+                <a:latin typeface="+mn-lt"/>
+                <a:ea typeface="+mn-ea"/>
+                <a:cs typeface="+mn-cs"/>
+              </a:defRPr>
+            </a:lvl5pPr>
+            <a:lvl6pPr marL="2286000" algn="l" defTabSz="457200" rtl="0" eaLnBrk="1" latinLnBrk="0" hangingPunct="1">
+              <a:defRPr sz="1800" kern="1200">
+                <a:solidFill>
+                  <a:schemeClr val="tx1"/>
+                </a:solidFill>
+                <a:latin typeface="+mn-lt"/>
+                <a:ea typeface="+mn-ea"/>
+                <a:cs typeface="+mn-cs"/>
+              </a:defRPr>
+            </a:lvl6pPr>
+            <a:lvl7pPr marL="2743200" algn="l" defTabSz="457200" rtl="0" eaLnBrk="1" latinLnBrk="0" hangingPunct="1">
+              <a:defRPr sz="1800" kern="1200">
+                <a:solidFill>
+                  <a:schemeClr val="tx1"/>
+                </a:solidFill>
+                <a:latin typeface="+mn-lt"/>
+                <a:ea typeface="+mn-ea"/>
+                <a:cs typeface="+mn-cs"/>
+              </a:defRPr>
+            </a:lvl7pPr>
+            <a:lvl8pPr marL="3200400" algn="l" defTabSz="457200" rtl="0" eaLnBrk="1" latinLnBrk="0" hangingPunct="1">
+              <a:defRPr sz="1800" kern="1200">
+                <a:solidFill>
+                  <a:schemeClr val="tx1"/>
+                </a:solidFill>
+                <a:latin typeface="+mn-lt"/>
+                <a:ea typeface="+mn-ea"/>
+                <a:cs typeface="+mn-cs"/>
+              </a:defRPr>
+            </a:lvl8pPr>
+            <a:lvl9pPr marL="3657600" algn="l" defTabSz="457200" rtl="0" eaLnBrk="1" latinLnBrk="0" hangingPunct="1">
+              <a:defRPr sz="1800" kern="1200">
+                <a:solidFill>
+                  <a:schemeClr val="tx1"/>
+                </a:solidFill>
+                <a:latin typeface="+mn-lt"/>
+                <a:ea typeface="+mn-ea"/>
+                <a:cs typeface="+mn-cs"/>
+              </a:defRPr>
+            </a:lvl9pPr>
+          </a:lstStyle>
+          <a:p>
+            <a:r>
+              <a:rPr lang="en-US" dirty="0"/>
+              <a:t>17. 4. 2025</a:t>
+            </a:r>
+          </a:p>
+        </p:txBody>
+      </p:sp>
+      <p:sp>
+        <p:nvSpPr>
+          <p:cNvPr id="3" name="Footer Placeholder 12">
+            <a:extLst>
+              <a:ext uri="{FF2B5EF4-FFF2-40B4-BE49-F238E27FC236}">
+                <a16:creationId xmlns:a16="http://schemas.microsoft.com/office/drawing/2014/main" id="{ED533418-37C8-B143-91FA-663B1D494022}"/>
+              </a:ext>
+            </a:extLst>
+          </p:cNvPr>
+          <p:cNvSpPr>
+            <a:spLocks noGrp="1"/>
+          </p:cNvSpPr>
+          <p:nvPr/>
+        </p:nvSpPr>
+        <p:spPr>
+          <a:xfrm>
+            <a:off x="3150584" y="4674362"/>
+            <a:ext cx="3086100" cy="273844"/>
+          </a:xfrm>
+          <a:prstGeom prst="rect">
+            <a:avLst/>
+          </a:prstGeom>
+        </p:spPr>
+        <p:txBody>
+          <a:bodyPr vert="horz" lIns="91440" tIns="45720" rIns="91440" bIns="45720" rtlCol="0" anchor="ctr"/>
+          <a:lstStyle>
+            <a:defPPr>
+              <a:defRPr lang="en-US"/>
+            </a:defPPr>
+            <a:lvl1pPr marL="0" algn="ctr" defTabSz="457200" rtl="0" eaLnBrk="1" latinLnBrk="0" hangingPunct="1">
+              <a:defRPr sz="900" kern="1200">
+                <a:solidFill>
+                  <a:schemeClr val="tx1">
+                    <a:tint val="75000"/>
+                  </a:schemeClr>
+                </a:solidFill>
+                <a:latin typeface="+mn-lt"/>
+                <a:ea typeface="+mn-ea"/>
+                <a:cs typeface="+mn-cs"/>
+              </a:defRPr>
+            </a:lvl1pPr>
+            <a:lvl2pPr marL="457200" algn="l" defTabSz="457200" rtl="0" eaLnBrk="1" latinLnBrk="0" hangingPunct="1">
+              <a:defRPr sz="1800" kern="1200">
+                <a:solidFill>
+                  <a:schemeClr val="tx1"/>
+                </a:solidFill>
+                <a:latin typeface="+mn-lt"/>
+                <a:ea typeface="+mn-ea"/>
+                <a:cs typeface="+mn-cs"/>
+              </a:defRPr>
+            </a:lvl2pPr>
+            <a:lvl3pPr marL="914400" algn="l" defTabSz="457200" rtl="0" eaLnBrk="1" latinLnBrk="0" hangingPunct="1">
+              <a:defRPr sz="1800" kern="1200">
+                <a:solidFill>
+                  <a:schemeClr val="tx1"/>
+                </a:solidFill>
+                <a:latin typeface="+mn-lt"/>
+                <a:ea typeface="+mn-ea"/>
+                <a:cs typeface="+mn-cs"/>
+              </a:defRPr>
+            </a:lvl3pPr>
+            <a:lvl4pPr marL="1371600" algn="l" defTabSz="457200" rtl="0" eaLnBrk="1" latinLnBrk="0" hangingPunct="1">
+              <a:defRPr sz="1800" kern="1200">
+                <a:solidFill>
+                  <a:schemeClr val="tx1"/>
+                </a:solidFill>
+                <a:latin typeface="+mn-lt"/>
+                <a:ea typeface="+mn-ea"/>
+                <a:cs typeface="+mn-cs"/>
+              </a:defRPr>
+            </a:lvl4pPr>
+            <a:lvl5pPr marL="1828800" algn="l" defTabSz="457200" rtl="0" eaLnBrk="1" latinLnBrk="0" hangingPunct="1">
+              <a:defRPr sz="1800" kern="1200">
+                <a:solidFill>
+                  <a:schemeClr val="tx1"/>
+                </a:solidFill>
+                <a:latin typeface="+mn-lt"/>
+                <a:ea typeface="+mn-ea"/>
+                <a:cs typeface="+mn-cs"/>
+              </a:defRPr>
+            </a:lvl5pPr>
+            <a:lvl6pPr marL="2286000" algn="l" defTabSz="457200" rtl="0" eaLnBrk="1" latinLnBrk="0" hangingPunct="1">
+              <a:defRPr sz="1800" kern="1200">
+                <a:solidFill>
+                  <a:schemeClr val="tx1"/>
+                </a:solidFill>
+                <a:latin typeface="+mn-lt"/>
+                <a:ea typeface="+mn-ea"/>
+                <a:cs typeface="+mn-cs"/>
+              </a:defRPr>
+            </a:lvl6pPr>
+            <a:lvl7pPr marL="2743200" algn="l" defTabSz="457200" rtl="0" eaLnBrk="1" latinLnBrk="0" hangingPunct="1">
+              <a:defRPr sz="1800" kern="1200">
+                <a:solidFill>
+                  <a:schemeClr val="tx1"/>
+                </a:solidFill>
+                <a:latin typeface="+mn-lt"/>
+                <a:ea typeface="+mn-ea"/>
+                <a:cs typeface="+mn-cs"/>
+              </a:defRPr>
+            </a:lvl7pPr>
+            <a:lvl8pPr marL="3200400" algn="l" defTabSz="457200" rtl="0" eaLnBrk="1" latinLnBrk="0" hangingPunct="1">
+              <a:defRPr sz="1800" kern="1200">
+                <a:solidFill>
+                  <a:schemeClr val="tx1"/>
+                </a:solidFill>
+                <a:latin typeface="+mn-lt"/>
+                <a:ea typeface="+mn-ea"/>
+                <a:cs typeface="+mn-cs"/>
+              </a:defRPr>
+            </a:lvl8pPr>
+            <a:lvl9pPr marL="3657600" algn="l" defTabSz="457200" rtl="0" eaLnBrk="1" latinLnBrk="0" hangingPunct="1">
+              <a:defRPr sz="1800" kern="1200">
+                <a:solidFill>
+                  <a:schemeClr val="tx1"/>
+                </a:solidFill>
+                <a:latin typeface="+mn-lt"/>
+                <a:ea typeface="+mn-ea"/>
+                <a:cs typeface="+mn-cs"/>
+              </a:defRPr>
+            </a:lvl9pPr>
+          </a:lstStyle>
+          <a:p>
+            <a:r>
+              <a:rPr lang="en-US" dirty="0"/>
+              <a:t>PR24-25, </a:t>
+            </a:r>
+            <a:r>
+              <a:rPr lang="en-US" dirty="0" err="1"/>
+              <a:t>Vmesna</a:t>
+            </a:r>
+            <a:r>
+              <a:rPr lang="en-US" dirty="0"/>
+              <a:t> </a:t>
+            </a:r>
+            <a:r>
+              <a:rPr lang="en-US" dirty="0" err="1"/>
+              <a:t>predstavitev</a:t>
+            </a:r>
+            <a:endParaRPr lang="en-US" dirty="0"/>
           </a:p>
         </p:txBody>
       </p:sp>
